--- a/data/example01.pptx
+++ b/data/example01.pptx
@@ -3431,219 +3431,6 @@
           </a:p>
         </p:txBody>
       </p:sp>
-      <p:pic>
-        <p:nvPicPr>
-          <p:cNvPr id="11" name="logo">
-            <a:extLst>
-              <a:ext uri="{FF2B5EF4-FFF2-40B4-BE49-F238E27FC236}">
-                <a16:creationId xmlns:a16="http://schemas.microsoft.com/office/drawing/2014/main" id="{6394FF0F-7F85-42F7-ACC0-11179DE0E15B}"/>
-              </a:ext>
-            </a:extLst>
-          </p:cNvPr>
-          <p:cNvPicPr>
-            <a:picLocks noChangeAspect="1"/>
-          </p:cNvPicPr>
-          <p:nvPr/>
-        </p:nvPicPr>
-        <p:blipFill>
-          <a:blip r:embed="rId2">
-            <a:extLst>
-              <a:ext uri="{28A0092B-C50C-407E-A947-70E740481C1C}">
-                <a14:useLocalDpi xmlns:a14="http://schemas.microsoft.com/office/drawing/2010/main" val="0"/>
-              </a:ext>
-            </a:extLst>
-          </a:blip>
-          <a:stretch>
-            <a:fillRect/>
-          </a:stretch>
-        </p:blipFill>
-        <p:spPr>
-          <a:xfrm>
-            <a:off x="838200" y="1690688"/>
-            <a:ext cx="3865297" cy="3865297"/>
-          </a:xfrm>
-          <a:prstGeom prst="rect">
-            <a:avLst/>
-          </a:prstGeom>
-        </p:spPr>
-      </p:pic>
-      <p:graphicFrame>
-        <p:nvGraphicFramePr>
-          <p:cNvPr id="12" name="Tabelle 11">
-            <a:extLst>
-              <a:ext uri="{FF2B5EF4-FFF2-40B4-BE49-F238E27FC236}">
-                <a16:creationId xmlns:a16="http://schemas.microsoft.com/office/drawing/2014/main" id="{04BA4CD0-91DA-45D9-9369-3383303B44D4}"/>
-              </a:ext>
-            </a:extLst>
-          </p:cNvPr>
-          <p:cNvGraphicFramePr>
-            <a:graphicFrameLocks noGrp="1"/>
-          </p:cNvGraphicFramePr>
-          <p:nvPr/>
-        </p:nvGraphicFramePr>
-        <p:xfrm>
-          <a:off x="5592819" y="3422680"/>
-          <a:ext cx="5262536" cy="1483360"/>
-        </p:xfrm>
-        <a:graphic>
-          <a:graphicData uri="http://schemas.openxmlformats.org/drawingml/2006/table">
-            <a:tbl>
-              <a:tblPr bandRow="1">
-                <a:tableStyleId>{5C22544A-7EE6-4342-B048-85BDC9FD1C3A}</a:tableStyleId>
-              </a:tblPr>
-              <a:tblGrid>
-                <a:gridCol w="2631268">
-                  <a:extLst>
-                    <a:ext uri="{9D8B030D-6E8A-4147-A177-3AD203B41FA5}">
-                      <a16:colId xmlns:a16="http://schemas.microsoft.com/office/drawing/2014/main" val="4075932202"/>
-                    </a:ext>
-                  </a:extLst>
-                </a:gridCol>
-                <a:gridCol w="2631268">
-                  <a:extLst>
-                    <a:ext uri="{9D8B030D-6E8A-4147-A177-3AD203B41FA5}">
-                      <a16:colId xmlns:a16="http://schemas.microsoft.com/office/drawing/2014/main" val="3312729428"/>
-                    </a:ext>
-                  </a:extLst>
-                </a:gridCol>
-              </a:tblGrid>
-              <a:tr h="370840">
-                <a:tc>
-                  <a:txBody>
-                    <a:bodyPr/>
-                    <a:lstStyle/>
-                    <a:p>
-                      <a:r>
-                        <a:rPr lang="de-DE" dirty="0" err="1"/>
-                        <a:t>Attendees</a:t>
-                      </a:r>
-                      <a:endParaRPr lang="de-DE" dirty="0"/>
-                    </a:p>
-                  </a:txBody>
-                  <a:tcPr/>
-                </a:tc>
-                <a:tc>
-                  <a:txBody>
-                    <a:bodyPr/>
-                    <a:lstStyle/>
-                    <a:p>
-                      <a:r>
-                        <a:rPr lang="de-DE" dirty="0"/>
-                        <a:t>1111</a:t>
-                      </a:r>
-                    </a:p>
-                  </a:txBody>
-                  <a:tcPr/>
-                </a:tc>
-                <a:extLst>
-                  <a:ext uri="{0D108BD9-81ED-4DB2-BD59-A6C34878D82A}">
-                    <a16:rowId xmlns:a16="http://schemas.microsoft.com/office/drawing/2014/main" val="2130323824"/>
-                  </a:ext>
-                </a:extLst>
-              </a:tr>
-              <a:tr h="370840">
-                <a:tc>
-                  <a:txBody>
-                    <a:bodyPr/>
-                    <a:lstStyle/>
-                    <a:p>
-                      <a:r>
-                        <a:rPr lang="de-DE" dirty="0"/>
-                        <a:t>Waiting List</a:t>
-                      </a:r>
-                    </a:p>
-                  </a:txBody>
-                  <a:tcPr/>
-                </a:tc>
-                <a:tc>
-                  <a:txBody>
-                    <a:bodyPr/>
-                    <a:lstStyle/>
-                    <a:p>
-                      <a:r>
-                        <a:rPr lang="de-DE" dirty="0"/>
-                        <a:t>800+</a:t>
-                      </a:r>
-                    </a:p>
-                  </a:txBody>
-                  <a:tcPr/>
-                </a:tc>
-                <a:extLst>
-                  <a:ext uri="{0D108BD9-81ED-4DB2-BD59-A6C34878D82A}">
-                    <a16:rowId xmlns:a16="http://schemas.microsoft.com/office/drawing/2014/main" val="3333498345"/>
-                  </a:ext>
-                </a:extLst>
-              </a:tr>
-              <a:tr h="370840">
-                <a:tc>
-                  <a:txBody>
-                    <a:bodyPr/>
-                    <a:lstStyle/>
-                    <a:p>
-                      <a:r>
-                        <a:rPr lang="de-DE" dirty="0"/>
-                        <a:t>Sessions</a:t>
-                      </a:r>
-                    </a:p>
-                  </a:txBody>
-                  <a:tcPr/>
-                </a:tc>
-                <a:tc>
-                  <a:txBody>
-                    <a:bodyPr/>
-                    <a:lstStyle/>
-                    <a:p>
-                      <a:r>
-                        <a:rPr lang="de-DE" dirty="0"/>
-                        <a:t>100+</a:t>
-                      </a:r>
-                    </a:p>
-                  </a:txBody>
-                  <a:tcPr/>
-                </a:tc>
-                <a:extLst>
-                  <a:ext uri="{0D108BD9-81ED-4DB2-BD59-A6C34878D82A}">
-                    <a16:rowId xmlns:a16="http://schemas.microsoft.com/office/drawing/2014/main" val="515388944"/>
-                  </a:ext>
-                </a:extLst>
-              </a:tr>
-              <a:tr h="370840">
-                <a:tc>
-                  <a:txBody>
-                    <a:bodyPr/>
-                    <a:lstStyle/>
-                    <a:p>
-                      <a:r>
-                        <a:rPr lang="de-DE" dirty="0"/>
-                        <a:t>Sponsors</a:t>
-                      </a:r>
-                    </a:p>
-                  </a:txBody>
-                  <a:tcPr/>
-                </a:tc>
-                <a:tc>
-                  <a:txBody>
-                    <a:bodyPr/>
-                    <a:lstStyle/>
-                    <a:p>
-                      <a:r>
-                        <a:rPr lang="de-DE" dirty="0"/>
-                        <a:t>32</a:t>
-                      </a:r>
-                    </a:p>
-                  </a:txBody>
-                  <a:tcPr/>
-                </a:tc>
-                <a:extLst>
-                  <a:ext uri="{0D108BD9-81ED-4DB2-BD59-A6C34878D82A}">
-                    <a16:rowId xmlns:a16="http://schemas.microsoft.com/office/drawing/2014/main" val="2576442664"/>
-                  </a:ext>
-                </a:extLst>
-              </a:tr>
-            </a:tbl>
-          </a:graphicData>
-        </a:graphic>
-      </p:graphicFrame>
       <p:sp>
         <p:nvSpPr>
           <p:cNvPr id="3" name="Rechteck 2">
